--- a/Estonian Driving Exams.pptx
+++ b/Estonian Driving Exams.pptx
@@ -3461,8 +3461,8 @@
         </p:nvSpPr>
         <p:spPr>
           <a:xfrm>
-            <a:off x="889000" y="15604660"/>
-            <a:ext cx="17068800" cy="10576625"/>
+            <a:off x="889000" y="15960849"/>
+            <a:ext cx="17068800" cy="10220436"/>
           </a:xfrm>
           <a:prstGeom prst="frame">
             <a:avLst>
@@ -3513,8 +3513,8 @@
         </p:nvSpPr>
         <p:spPr>
           <a:xfrm>
-            <a:off x="1337228" y="15896159"/>
-            <a:ext cx="16044334" cy="11844333"/>
+            <a:off x="1337228" y="16278227"/>
+            <a:ext cx="16044334" cy="11382668"/>
           </a:xfrm>
           <a:prstGeom prst="rect">
             <a:avLst/>
@@ -3651,7 +3651,7 @@
                 </a:solidFill>
                 <a:latin typeface="Aptos" panose="020B0004020202020204" pitchFamily="34" charset="0"/>
               </a:rPr>
-              <a:t>We decided to analyse driving school results for all years available, and displayed the 10 most popular schools where the largest percent of students passed their exams.</a:t>
+              <a:t>We decided to analyse driving school results for all years available, and displayed the 10 most popular schools and the school’s students’ pass rates.</a:t>
             </a:r>
           </a:p>
           <a:p>

--- a/Estonian Driving Exams.pptx
+++ b/Estonian Driving Exams.pptx
@@ -3416,7 +3416,7 @@
             </a:pPr>
             <a:r>
               <a:rPr lang="en-GB" sz="3500" dirty="0"/>
-              <a:t>Analysis of driving school choice based on popularity</a:t>
+              <a:t>Analysis of driving school choice and driving exam results</a:t>
             </a:r>
           </a:p>
           <a:p>
@@ -3461,8 +3461,8 @@
         </p:nvSpPr>
         <p:spPr>
           <a:xfrm>
-            <a:off x="889000" y="15960849"/>
-            <a:ext cx="17068800" cy="10220436"/>
+            <a:off x="889000" y="16069950"/>
+            <a:ext cx="17068800" cy="10111335"/>
           </a:xfrm>
           <a:prstGeom prst="frame">
             <a:avLst>
@@ -3513,7 +3513,7 @@
         </p:nvSpPr>
         <p:spPr>
           <a:xfrm>
-            <a:off x="1337228" y="16278227"/>
+            <a:off x="1337228" y="16362363"/>
             <a:ext cx="16044334" cy="11382668"/>
           </a:xfrm>
           <a:prstGeom prst="rect">
